--- a/Teleconference/20180830/nodedescriptionproperty_nodegenerator.pptx
+++ b/Teleconference/20180830/nodedescriptionproperty_nodegenerator.pptx
@@ -8286,7 +8286,7 @@
                   <a:schemeClr val="tx1"/>
                 </a:solidFill>
               </a:rPr>
-              <a:t>(5) Set credential</a:t>
+              <a:t>(4) Set credential</a:t>
             </a:r>
             <a:endParaRPr lang="ja-JP" altLang="en-US" sz="1400" dirty="0">
               <a:solidFill>
@@ -8384,12 +8384,20 @@
               </a:spcBef>
             </a:pPr>
             <a:r>
+              <a:rPr lang="en-US" altLang="ja-JP" sz="1400">
+                <a:solidFill>
+                  <a:schemeClr val="tx1"/>
+                </a:solidFill>
+              </a:rPr>
+              <a:t>(5) </a:t>
+            </a:r>
+            <a:r>
               <a:rPr lang="en-US" altLang="ja-JP" sz="1400" dirty="0">
                 <a:solidFill>
                   <a:schemeClr val="tx1"/>
                 </a:solidFill>
               </a:rPr>
-              <a:t>(6) Access to API using credential</a:t>
+              <a:t>Access to API using credential</a:t>
             </a:r>
             <a:endParaRPr lang="ja-JP" altLang="en-US" sz="1400" dirty="0">
               <a:solidFill>
